--- a/장보기 프로그램.pptx
+++ b/장보기 프로그램.pptx
@@ -7782,12 +7782,12 @@
               <a:t>: </a:t>
             </a:r>
             <a:r>
-              <a:rPr lang="ko-KR" altLang="en-US" b="1" dirty="0" err="1" smtClean="0">
+              <a:rPr lang="ko-KR" altLang="en-US" b="1" dirty="0" smtClean="0">
                 <a:solidFill>
                   <a:srgbClr val="00B0F0"/>
                 </a:solidFill>
               </a:rPr>
-              <a:t>일정관리쌤</a:t>
+              <a:t>일정관리 선생님</a:t>
             </a:r>
             <a:endParaRPr lang="ko-KR" altLang="en-US" b="1" dirty="0">
               <a:solidFill>
@@ -8023,8 +8023,8 @@
         </p:nvSpPr>
         <p:spPr>
           <a:xfrm>
-            <a:off x="2974206" y="1264555"/>
-            <a:ext cx="5332396" cy="1477328"/>
+            <a:off x="2974205" y="1264555"/>
+            <a:ext cx="7139373" cy="1323439"/>
           </a:xfrm>
           <a:prstGeom prst="rect">
             <a:avLst/>
@@ -8038,62 +8038,174 @@
           <a:lstStyle/>
           <a:p>
             <a:r>
-              <a:rPr lang="ko-KR" altLang="en-US" dirty="0" smtClean="0"/>
+              <a:rPr lang="ko-KR" altLang="en-US" sz="2000" b="1" dirty="0" smtClean="0">
+                <a:effectLst>
+                  <a:outerShdw blurRad="38100" dist="38100" dir="2700000" algn="tl">
+                    <a:srgbClr val="000000">
+                      <a:alpha val="43137"/>
+                    </a:srgbClr>
+                  </a:outerShdw>
+                </a:effectLst>
+              </a:rPr>
               <a:t>장을 보는 것은 남은 예산</a:t>
             </a:r>
             <a:r>
-              <a:rPr lang="en-US" altLang="ko-KR" dirty="0"/>
+              <a:rPr lang="en-US" altLang="ko-KR" sz="2000" b="1" dirty="0">
+                <a:effectLst>
+                  <a:outerShdw blurRad="38100" dist="38100" dir="2700000" algn="tl">
+                    <a:srgbClr val="000000">
+                      <a:alpha val="43137"/>
+                    </a:srgbClr>
+                  </a:outerShdw>
+                </a:effectLst>
+              </a:rPr>
               <a:t> </a:t>
             </a:r>
             <a:r>
-              <a:rPr lang="ko-KR" altLang="en-US" dirty="0" smtClean="0"/>
+              <a:rPr lang="ko-KR" altLang="en-US" sz="2000" b="1" dirty="0" smtClean="0">
+                <a:effectLst>
+                  <a:outerShdw blurRad="38100" dist="38100" dir="2700000" algn="tl">
+                    <a:srgbClr val="000000">
+                      <a:alpha val="43137"/>
+                    </a:srgbClr>
+                  </a:outerShdw>
+                </a:effectLst>
+              </a:rPr>
               <a:t>정리</a:t>
             </a:r>
             <a:r>
-              <a:rPr lang="en-US" altLang="ko-KR" dirty="0" smtClean="0"/>
+              <a:rPr lang="en-US" altLang="ko-KR" sz="2000" b="1" dirty="0" smtClean="0">
+                <a:effectLst>
+                  <a:outerShdw blurRad="38100" dist="38100" dir="2700000" algn="tl">
+                    <a:srgbClr val="000000">
+                      <a:alpha val="43137"/>
+                    </a:srgbClr>
+                  </a:outerShdw>
+                </a:effectLst>
+              </a:rPr>
               <a:t>, </a:t>
             </a:r>
             <a:r>
-              <a:rPr lang="ko-KR" altLang="en-US" dirty="0" smtClean="0"/>
+              <a:rPr lang="ko-KR" altLang="en-US" sz="2000" b="1" dirty="0" smtClean="0">
+                <a:effectLst>
+                  <a:outerShdw blurRad="38100" dist="38100" dir="2700000" algn="tl">
+                    <a:srgbClr val="000000">
+                      <a:alpha val="43137"/>
+                    </a:srgbClr>
+                  </a:outerShdw>
+                </a:effectLst>
+              </a:rPr>
               <a:t>구매 품목 정리</a:t>
             </a:r>
             <a:r>
-              <a:rPr lang="en-US" altLang="ko-KR" dirty="0" smtClean="0"/>
+              <a:rPr lang="en-US" altLang="ko-KR" sz="2000" b="1" dirty="0" smtClean="0">
+                <a:effectLst>
+                  <a:outerShdw blurRad="38100" dist="38100" dir="2700000" algn="tl">
+                    <a:srgbClr val="000000">
+                      <a:alpha val="43137"/>
+                    </a:srgbClr>
+                  </a:outerShdw>
+                </a:effectLst>
+              </a:rPr>
               <a:t>, </a:t>
             </a:r>
           </a:p>
           <a:p>
             <a:r>
-              <a:rPr lang="ko-KR" altLang="en-US" dirty="0" smtClean="0"/>
+              <a:rPr lang="ko-KR" altLang="en-US" sz="2000" b="1" dirty="0" smtClean="0">
+                <a:effectLst>
+                  <a:outerShdw blurRad="38100" dist="38100" dir="2700000" algn="tl">
+                    <a:srgbClr val="000000">
+                      <a:alpha val="43137"/>
+                    </a:srgbClr>
+                  </a:outerShdw>
+                </a:effectLst>
+              </a:rPr>
               <a:t>가계부 작성 등을 하는 것 등 할 것이 아주 많습니다</a:t>
             </a:r>
             <a:r>
-              <a:rPr lang="en-US" altLang="ko-KR" dirty="0" smtClean="0"/>
+              <a:rPr lang="en-US" altLang="ko-KR" sz="2000" b="1" dirty="0" smtClean="0">
+                <a:effectLst>
+                  <a:outerShdw blurRad="38100" dist="38100" dir="2700000" algn="tl">
+                    <a:srgbClr val="000000">
+                      <a:alpha val="43137"/>
+                    </a:srgbClr>
+                  </a:outerShdw>
+                </a:effectLst>
+              </a:rPr>
               <a:t>.</a:t>
             </a:r>
           </a:p>
           <a:p>
             <a:r>
-              <a:rPr lang="ko-KR" altLang="en-US" dirty="0" smtClean="0"/>
+              <a:rPr lang="ko-KR" altLang="en-US" sz="2000" b="1" dirty="0" smtClean="0">
+                <a:effectLst>
+                  <a:outerShdw blurRad="38100" dist="38100" dir="2700000" algn="tl">
+                    <a:srgbClr val="000000">
+                      <a:alpha val="43137"/>
+                    </a:srgbClr>
+                  </a:outerShdw>
+                </a:effectLst>
+              </a:rPr>
               <a:t>그래서</a:t>
             </a:r>
             <a:r>
-              <a:rPr lang="en-US" altLang="ko-KR" dirty="0" smtClean="0"/>
+              <a:rPr lang="en-US" altLang="ko-KR" sz="2000" b="1" dirty="0" smtClean="0">
+                <a:effectLst>
+                  <a:outerShdw blurRad="38100" dist="38100" dir="2700000" algn="tl">
+                    <a:srgbClr val="000000">
+                      <a:alpha val="43137"/>
+                    </a:srgbClr>
+                  </a:outerShdw>
+                </a:effectLst>
+              </a:rPr>
               <a:t>, </a:t>
             </a:r>
             <a:r>
-              <a:rPr lang="ko-KR" altLang="en-US" dirty="0" smtClean="0"/>
+              <a:rPr lang="ko-KR" altLang="en-US" sz="2000" b="1" dirty="0" smtClean="0">
+                <a:effectLst>
+                  <a:outerShdw blurRad="38100" dist="38100" dir="2700000" algn="tl">
+                    <a:srgbClr val="000000">
+                      <a:alpha val="43137"/>
+                    </a:srgbClr>
+                  </a:outerShdw>
+                </a:effectLst>
+              </a:rPr>
               <a:t>저희 팀은 이러한 불편함을 해소하기 위해</a:t>
             </a:r>
-            <a:endParaRPr lang="en-US" altLang="ko-KR" dirty="0" smtClean="0"/>
-          </a:p>
-          <a:p>
-            <a:r>
-              <a:rPr lang="ko-KR" altLang="en-US" dirty="0" smtClean="0"/>
+            <a:endParaRPr lang="en-US" altLang="ko-KR" sz="2000" b="1" dirty="0" smtClean="0">
+              <a:effectLst>
+                <a:outerShdw blurRad="38100" dist="38100" dir="2700000" algn="tl">
+                  <a:srgbClr val="000000">
+                    <a:alpha val="43137"/>
+                  </a:srgbClr>
+                </a:outerShdw>
+              </a:effectLst>
+            </a:endParaRPr>
+          </a:p>
+          <a:p>
+            <a:r>
+              <a:rPr lang="ko-KR" altLang="en-US" sz="2000" b="1" dirty="0" smtClean="0">
+                <a:effectLst>
+                  <a:outerShdw blurRad="38100" dist="38100" dir="2700000" algn="tl">
+                    <a:srgbClr val="000000">
+                      <a:alpha val="43137"/>
+                    </a:srgbClr>
+                  </a:outerShdw>
+                </a:effectLst>
+              </a:rPr>
               <a:t>장보기를 도와주는 프로그램을 만들기로 하였습니다</a:t>
             </a:r>
             <a:r>
-              <a:rPr lang="en-US" altLang="ko-KR" dirty="0" smtClean="0"/>
+              <a:rPr lang="en-US" altLang="ko-KR" sz="2000" b="1" dirty="0" smtClean="0">
+                <a:effectLst>
+                  <a:outerShdw blurRad="38100" dist="38100" dir="2700000" algn="tl">
+                    <a:srgbClr val="000000">
+                      <a:alpha val="43137"/>
+                    </a:srgbClr>
+                  </a:outerShdw>
+                </a:effectLst>
+              </a:rPr>
               <a:t>.</a:t>
             </a:r>
           </a:p>
@@ -8237,7 +8349,7 @@
     </a:clrScheme>
     <a:fontScheme name="줄기">
       <a:majorFont>
-        <a:latin typeface="Century Gothic" panose="020B0502020202020204"/>
+        <a:latin typeface="Century Gothic"/>
         <a:ea typeface=""/>
         <a:cs typeface=""/>
         <a:font script="Jpan" typeface="メイリオ"/>
@@ -8272,7 +8384,7 @@
         <a:font script="Geor" typeface="Sylfaen"/>
       </a:majorFont>
       <a:minorFont>
-        <a:latin typeface="Century Gothic" panose="020B0502020202020204"/>
+        <a:latin typeface="Century Gothic"/>
         <a:ea typeface=""/>
         <a:cs typeface=""/>
         <a:font script="Jpan" typeface="メイリオ"/>
@@ -8431,7 +8543,7 @@
   <a:extraClrSchemeLst/>
   <a:extLst>
     <a:ext uri="{05A4C25C-085E-4340-85A3-A5531E510DB2}">
-      <thm15:themeFamily xmlns:thm15="http://schemas.microsoft.com/office/thememl/2012/main" name="Wisp" id="{7CB32D59-10C0-40DD-B7BD-2E94284A981C}" vid="{24B1A44C-C006-48B2-A4D7-E5549B3D8CD4}"/>
+      <thm15:themeFamily xmlns:thm15="http://schemas.microsoft.com/office/thememl/2012/main" xmlns="" name="Wisp" id="{7CB32D59-10C0-40DD-B7BD-2E94284A981C}" vid="{24B1A44C-C006-48B2-A4D7-E5549B3D8CD4}"/>
     </a:ext>
   </a:extLst>
 </a:theme>

--- a/장보기 프로그램.pptx
+++ b/장보기 프로그램.pptx
@@ -6,9 +6,11 @@
   </p:sldMasterIdLst>
   <p:sldIdLst>
     <p:sldId id="256" r:id="rId2"/>
-    <p:sldId id="257" r:id="rId3"/>
-    <p:sldId id="258" r:id="rId4"/>
-    <p:sldId id="259" r:id="rId5"/>
+    <p:sldId id="258" r:id="rId3"/>
+    <p:sldId id="259" r:id="rId4"/>
+    <p:sldId id="260" r:id="rId5"/>
+    <p:sldId id="261" r:id="rId6"/>
+    <p:sldId id="262" r:id="rId7"/>
   </p:sldIdLst>
   <p:sldSz cx="12192000" cy="6858000"/>
   <p:notesSz cx="6858000" cy="9144000"/>
@@ -300,7 +302,7 @@
               <a:rPr lang="ko-KR" altLang="en-US" smtClean="0"/>
               <a:t>2018-08-07</a:t>
             </a:fld>
-            <a:endParaRPr lang="ko-KR" altLang="en-US"/>
+            <a:endParaRPr lang="ko-KR" altLang="en-US" dirty="0"/>
           </a:p>
         </p:txBody>
       </p:sp>
@@ -319,7 +321,7 @@
           <a:bodyPr/>
           <a:lstStyle/>
           <a:p>
-            <a:endParaRPr lang="ko-KR" altLang="en-US"/>
+            <a:endParaRPr lang="ko-KR" altLang="en-US" dirty="0"/>
           </a:p>
         </p:txBody>
       </p:sp>
@@ -429,7 +431,7 @@
               <a:rPr lang="ko-KR" altLang="en-US" smtClean="0"/>
               <a:t>‹#›</a:t>
             </a:fld>
-            <a:endParaRPr lang="ko-KR" altLang="en-US"/>
+            <a:endParaRPr lang="ko-KR" altLang="en-US" dirty="0"/>
           </a:p>
         </p:txBody>
       </p:sp>
@@ -638,7 +640,7 @@
               <a:rPr lang="ko-KR" altLang="en-US" smtClean="0"/>
               <a:t>2018-08-07</a:t>
             </a:fld>
-            <a:endParaRPr lang="ko-KR" altLang="en-US"/>
+            <a:endParaRPr lang="ko-KR" altLang="en-US" dirty="0"/>
           </a:p>
         </p:txBody>
       </p:sp>
@@ -657,7 +659,7 @@
           <a:bodyPr/>
           <a:lstStyle/>
           <a:p>
-            <a:endParaRPr lang="ko-KR" altLang="en-US"/>
+            <a:endParaRPr lang="ko-KR" altLang="en-US" dirty="0"/>
           </a:p>
         </p:txBody>
       </p:sp>
@@ -767,7 +769,7 @@
               <a:rPr lang="ko-KR" altLang="en-US" smtClean="0"/>
               <a:t>‹#›</a:t>
             </a:fld>
-            <a:endParaRPr lang="ko-KR" altLang="en-US"/>
+            <a:endParaRPr lang="ko-KR" altLang="en-US" dirty="0"/>
           </a:p>
         </p:txBody>
       </p:sp>
@@ -1039,7 +1041,7 @@
               <a:rPr lang="ko-KR" altLang="en-US" smtClean="0"/>
               <a:t>2018-08-07</a:t>
             </a:fld>
-            <a:endParaRPr lang="ko-KR" altLang="en-US"/>
+            <a:endParaRPr lang="ko-KR" altLang="en-US" dirty="0"/>
           </a:p>
         </p:txBody>
       </p:sp>
@@ -1058,7 +1060,7 @@
           <a:bodyPr/>
           <a:lstStyle/>
           <a:p>
-            <a:endParaRPr lang="ko-KR" altLang="en-US"/>
+            <a:endParaRPr lang="ko-KR" altLang="en-US" dirty="0"/>
           </a:p>
         </p:txBody>
       </p:sp>
@@ -1168,7 +1170,7 @@
               <a:rPr lang="ko-KR" altLang="en-US" smtClean="0"/>
               <a:t>‹#›</a:t>
             </a:fld>
-            <a:endParaRPr lang="ko-KR" altLang="en-US"/>
+            <a:endParaRPr lang="ko-KR" altLang="en-US" dirty="0"/>
           </a:p>
         </p:txBody>
       </p:sp>
@@ -1375,7 +1377,7 @@
               <a:rPr lang="ko-KR" altLang="en-US" smtClean="0"/>
               <a:t>2018-08-07</a:t>
             </a:fld>
-            <a:endParaRPr lang="ko-KR" altLang="en-US"/>
+            <a:endParaRPr lang="ko-KR" altLang="en-US" dirty="0"/>
           </a:p>
         </p:txBody>
       </p:sp>
@@ -1394,7 +1396,7 @@
           <a:bodyPr/>
           <a:lstStyle/>
           <a:p>
-            <a:endParaRPr lang="ko-KR" altLang="en-US"/>
+            <a:endParaRPr lang="ko-KR" altLang="en-US" dirty="0"/>
           </a:p>
         </p:txBody>
       </p:sp>
@@ -1504,7 +1506,7 @@
               <a:rPr lang="ko-KR" altLang="en-US" smtClean="0"/>
               <a:t>‹#›</a:t>
             </a:fld>
-            <a:endParaRPr lang="ko-KR" altLang="en-US"/>
+            <a:endParaRPr lang="ko-KR" altLang="en-US" dirty="0"/>
           </a:p>
         </p:txBody>
       </p:sp>
@@ -1695,7 +1697,7 @@
               <a:rPr lang="ko-KR" altLang="en-US" smtClean="0"/>
               <a:t>2018-08-07</a:t>
             </a:fld>
-            <a:endParaRPr lang="ko-KR" altLang="en-US"/>
+            <a:endParaRPr lang="ko-KR" altLang="en-US" dirty="0"/>
           </a:p>
         </p:txBody>
       </p:sp>
@@ -1714,7 +1716,7 @@
           <a:bodyPr/>
           <a:lstStyle/>
           <a:p>
-            <a:endParaRPr lang="ko-KR" altLang="en-US"/>
+            <a:endParaRPr lang="ko-KR" altLang="en-US" dirty="0"/>
           </a:p>
         </p:txBody>
       </p:sp>
@@ -1824,7 +1826,7 @@
               <a:rPr lang="ko-KR" altLang="en-US" smtClean="0"/>
               <a:t>‹#›</a:t>
             </a:fld>
-            <a:endParaRPr lang="ko-KR" altLang="en-US"/>
+            <a:endParaRPr lang="ko-KR" altLang="en-US" dirty="0"/>
           </a:p>
         </p:txBody>
       </p:sp>
@@ -2091,7 +2093,7 @@
               <a:rPr lang="ko-KR" altLang="en-US" smtClean="0"/>
               <a:t>2018-08-07</a:t>
             </a:fld>
-            <a:endParaRPr lang="ko-KR" altLang="en-US"/>
+            <a:endParaRPr lang="ko-KR" altLang="en-US" dirty="0"/>
           </a:p>
         </p:txBody>
       </p:sp>
@@ -2110,7 +2112,7 @@
           <a:bodyPr/>
           <a:lstStyle/>
           <a:p>
-            <a:endParaRPr lang="ko-KR" altLang="en-US"/>
+            <a:endParaRPr lang="ko-KR" altLang="en-US" dirty="0"/>
           </a:p>
         </p:txBody>
       </p:sp>
@@ -2220,7 +2222,7 @@
               <a:rPr lang="ko-KR" altLang="en-US" smtClean="0"/>
               <a:t>‹#›</a:t>
             </a:fld>
-            <a:endParaRPr lang="ko-KR" altLang="en-US"/>
+            <a:endParaRPr lang="ko-KR" altLang="en-US" dirty="0"/>
           </a:p>
         </p:txBody>
       </p:sp>
@@ -2348,7 +2350,7 @@
               <a:rPr lang="ko-KR" altLang="en-US" smtClean="0"/>
               <a:t>2018-08-07</a:t>
             </a:fld>
-            <a:endParaRPr lang="ko-KR" altLang="en-US"/>
+            <a:endParaRPr lang="ko-KR" altLang="en-US" dirty="0"/>
           </a:p>
         </p:txBody>
       </p:sp>
@@ -2367,7 +2369,7 @@
           <a:bodyPr/>
           <a:lstStyle/>
           <a:p>
-            <a:endParaRPr lang="ko-KR" altLang="en-US"/>
+            <a:endParaRPr lang="ko-KR" altLang="en-US" dirty="0"/>
           </a:p>
         </p:txBody>
       </p:sp>
@@ -2472,7 +2474,7 @@
               <a:rPr lang="ko-KR" altLang="en-US" smtClean="0"/>
               <a:t>‹#›</a:t>
             </a:fld>
-            <a:endParaRPr lang="ko-KR" altLang="en-US"/>
+            <a:endParaRPr lang="ko-KR" altLang="en-US" dirty="0"/>
           </a:p>
         </p:txBody>
       </p:sp>
@@ -2610,7 +2612,7 @@
               <a:rPr lang="ko-KR" altLang="en-US" smtClean="0"/>
               <a:t>2018-08-07</a:t>
             </a:fld>
-            <a:endParaRPr lang="ko-KR" altLang="en-US"/>
+            <a:endParaRPr lang="ko-KR" altLang="en-US" dirty="0"/>
           </a:p>
         </p:txBody>
       </p:sp>
@@ -2629,7 +2631,7 @@
           <a:bodyPr/>
           <a:lstStyle/>
           <a:p>
-            <a:endParaRPr lang="ko-KR" altLang="en-US"/>
+            <a:endParaRPr lang="ko-KR" altLang="en-US" dirty="0"/>
           </a:p>
         </p:txBody>
       </p:sp>
@@ -2734,7 +2736,7 @@
               <a:rPr lang="ko-KR" altLang="en-US" smtClean="0"/>
               <a:t>‹#›</a:t>
             </a:fld>
-            <a:endParaRPr lang="ko-KR" altLang="en-US"/>
+            <a:endParaRPr lang="ko-KR" altLang="en-US" dirty="0"/>
           </a:p>
         </p:txBody>
       </p:sp>
@@ -2872,7 +2874,7 @@
               <a:rPr lang="ko-KR" altLang="en-US" smtClean="0"/>
               <a:t>2018-08-07</a:t>
             </a:fld>
-            <a:endParaRPr lang="ko-KR" altLang="en-US"/>
+            <a:endParaRPr lang="ko-KR" altLang="en-US" dirty="0"/>
           </a:p>
         </p:txBody>
       </p:sp>
@@ -2891,7 +2893,7 @@
           <a:bodyPr/>
           <a:lstStyle/>
           <a:p>
-            <a:endParaRPr lang="ko-KR" altLang="en-US"/>
+            <a:endParaRPr lang="ko-KR" altLang="en-US" dirty="0"/>
           </a:p>
         </p:txBody>
       </p:sp>
@@ -2996,7 +2998,7 @@
               <a:rPr lang="ko-KR" altLang="en-US" smtClean="0"/>
               <a:t>‹#›</a:t>
             </a:fld>
-            <a:endParaRPr lang="ko-KR" altLang="en-US"/>
+            <a:endParaRPr lang="ko-KR" altLang="en-US" dirty="0"/>
           </a:p>
         </p:txBody>
       </p:sp>
@@ -3201,7 +3203,7 @@
               <a:rPr lang="ko-KR" altLang="en-US" smtClean="0"/>
               <a:t>2018-08-07</a:t>
             </a:fld>
-            <a:endParaRPr lang="ko-KR" altLang="en-US"/>
+            <a:endParaRPr lang="ko-KR" altLang="en-US" dirty="0"/>
           </a:p>
         </p:txBody>
       </p:sp>
@@ -3220,7 +3222,7 @@
           <a:bodyPr/>
           <a:lstStyle/>
           <a:p>
-            <a:endParaRPr lang="ko-KR" altLang="en-US"/>
+            <a:endParaRPr lang="ko-KR" altLang="en-US" dirty="0"/>
           </a:p>
         </p:txBody>
       </p:sp>
@@ -3330,7 +3332,7 @@
               <a:rPr lang="ko-KR" altLang="en-US" smtClean="0"/>
               <a:t>‹#›</a:t>
             </a:fld>
-            <a:endParaRPr lang="ko-KR" altLang="en-US"/>
+            <a:endParaRPr lang="ko-KR" altLang="en-US" dirty="0"/>
           </a:p>
         </p:txBody>
       </p:sp>
@@ -3524,7 +3526,7 @@
               <a:rPr lang="ko-KR" altLang="en-US" smtClean="0"/>
               <a:t>2018-08-07</a:t>
             </a:fld>
-            <a:endParaRPr lang="ko-KR" altLang="en-US"/>
+            <a:endParaRPr lang="ko-KR" altLang="en-US" dirty="0"/>
           </a:p>
         </p:txBody>
       </p:sp>
@@ -3543,7 +3545,7 @@
           <a:bodyPr/>
           <a:lstStyle/>
           <a:p>
-            <a:endParaRPr lang="ko-KR" altLang="en-US"/>
+            <a:endParaRPr lang="ko-KR" altLang="en-US" dirty="0"/>
           </a:p>
         </p:txBody>
       </p:sp>
@@ -3653,7 +3655,7 @@
               <a:rPr lang="ko-KR" altLang="en-US" smtClean="0"/>
               <a:t>‹#›</a:t>
             </a:fld>
-            <a:endParaRPr lang="ko-KR" altLang="en-US"/>
+            <a:endParaRPr lang="ko-KR" altLang="en-US" dirty="0"/>
           </a:p>
         </p:txBody>
       </p:sp>
@@ -3981,7 +3983,7 @@
               <a:rPr lang="ko-KR" altLang="en-US" smtClean="0"/>
               <a:t>2018-08-07</a:t>
             </a:fld>
-            <a:endParaRPr lang="ko-KR" altLang="en-US"/>
+            <a:endParaRPr lang="ko-KR" altLang="en-US" dirty="0"/>
           </a:p>
         </p:txBody>
       </p:sp>
@@ -4000,7 +4002,7 @@
           <a:bodyPr/>
           <a:lstStyle/>
           <a:p>
-            <a:endParaRPr lang="ko-KR" altLang="en-US"/>
+            <a:endParaRPr lang="ko-KR" altLang="en-US" dirty="0"/>
           </a:p>
         </p:txBody>
       </p:sp>
@@ -4110,7 +4112,7 @@
               <a:rPr lang="ko-KR" altLang="en-US" smtClean="0"/>
               <a:t>‹#›</a:t>
             </a:fld>
-            <a:endParaRPr lang="ko-KR" altLang="en-US"/>
+            <a:endParaRPr lang="ko-KR" altLang="en-US" dirty="0"/>
           </a:p>
         </p:txBody>
       </p:sp>
@@ -4186,7 +4188,7 @@
               <a:rPr lang="ko-KR" altLang="en-US" smtClean="0"/>
               <a:t>2018-08-07</a:t>
             </a:fld>
-            <a:endParaRPr lang="ko-KR" altLang="en-US"/>
+            <a:endParaRPr lang="ko-KR" altLang="en-US" dirty="0"/>
           </a:p>
         </p:txBody>
       </p:sp>
@@ -4205,7 +4207,7 @@
           <a:bodyPr/>
           <a:lstStyle/>
           <a:p>
-            <a:endParaRPr lang="ko-KR" altLang="en-US"/>
+            <a:endParaRPr lang="ko-KR" altLang="en-US" dirty="0"/>
           </a:p>
         </p:txBody>
       </p:sp>
@@ -4310,7 +4312,7 @@
               <a:rPr lang="ko-KR" altLang="en-US" smtClean="0"/>
               <a:t>‹#›</a:t>
             </a:fld>
-            <a:endParaRPr lang="ko-KR" altLang="en-US"/>
+            <a:endParaRPr lang="ko-KR" altLang="en-US" dirty="0"/>
           </a:p>
         </p:txBody>
       </p:sp>
@@ -4363,7 +4365,7 @@
               <a:rPr lang="ko-KR" altLang="en-US" smtClean="0"/>
               <a:t>2018-08-07</a:t>
             </a:fld>
-            <a:endParaRPr lang="ko-KR" altLang="en-US"/>
+            <a:endParaRPr lang="ko-KR" altLang="en-US" dirty="0"/>
           </a:p>
         </p:txBody>
       </p:sp>
@@ -4382,7 +4384,7 @@
           <a:bodyPr/>
           <a:lstStyle/>
           <a:p>
-            <a:endParaRPr lang="ko-KR" altLang="en-US"/>
+            <a:endParaRPr lang="ko-KR" altLang="en-US" dirty="0"/>
           </a:p>
         </p:txBody>
       </p:sp>
@@ -4487,7 +4489,7 @@
               <a:rPr lang="ko-KR" altLang="en-US" smtClean="0"/>
               <a:t>‹#›</a:t>
             </a:fld>
-            <a:endParaRPr lang="ko-KR" altLang="en-US"/>
+            <a:endParaRPr lang="ko-KR" altLang="en-US" dirty="0"/>
           </a:p>
         </p:txBody>
       </p:sp>
@@ -4696,7 +4698,7 @@
               <a:rPr lang="ko-KR" altLang="en-US" smtClean="0"/>
               <a:t>2018-08-07</a:t>
             </a:fld>
-            <a:endParaRPr lang="ko-KR" altLang="en-US"/>
+            <a:endParaRPr lang="ko-KR" altLang="en-US" dirty="0"/>
           </a:p>
         </p:txBody>
       </p:sp>
@@ -4715,7 +4717,7 @@
           <a:bodyPr/>
           <a:lstStyle/>
           <a:p>
-            <a:endParaRPr lang="ko-KR" altLang="en-US"/>
+            <a:endParaRPr lang="ko-KR" altLang="en-US" dirty="0"/>
           </a:p>
         </p:txBody>
       </p:sp>
@@ -4820,7 +4822,7 @@
               <a:rPr lang="ko-KR" altLang="en-US" smtClean="0"/>
               <a:t>‹#›</a:t>
             </a:fld>
-            <a:endParaRPr lang="ko-KR" altLang="en-US"/>
+            <a:endParaRPr lang="ko-KR" altLang="en-US" dirty="0"/>
           </a:p>
         </p:txBody>
       </p:sp>
@@ -4948,7 +4950,7 @@
           </a:lstStyle>
           <a:p>
             <a:r>
-              <a:rPr lang="ko-KR" altLang="en-US" smtClean="0"/>
+              <a:rPr lang="ko-KR" altLang="en-US" dirty="0" smtClean="0"/>
               <a:t>그림을 추가하려면 아이콘을 클릭하십시오</a:t>
             </a:r>
             <a:endParaRPr lang="en-US" dirty="0"/>
@@ -5041,7 +5043,7 @@
               <a:rPr lang="ko-KR" altLang="en-US" smtClean="0"/>
               <a:t>2018-08-07</a:t>
             </a:fld>
-            <a:endParaRPr lang="ko-KR" altLang="en-US"/>
+            <a:endParaRPr lang="ko-KR" altLang="en-US" dirty="0"/>
           </a:p>
         </p:txBody>
       </p:sp>
@@ -5060,7 +5062,7 @@
           <a:bodyPr/>
           <a:lstStyle/>
           <a:p>
-            <a:endParaRPr lang="ko-KR" altLang="en-US"/>
+            <a:endParaRPr lang="ko-KR" altLang="en-US" dirty="0"/>
           </a:p>
         </p:txBody>
       </p:sp>
@@ -5170,7 +5172,7 @@
               <a:rPr lang="ko-KR" altLang="en-US" smtClean="0"/>
               <a:t>‹#›</a:t>
             </a:fld>
-            <a:endParaRPr lang="ko-KR" altLang="en-US"/>
+            <a:endParaRPr lang="ko-KR" altLang="en-US" dirty="0"/>
           </a:p>
         </p:txBody>
       </p:sp>
@@ -7158,7 +7160,7 @@
               <a:rPr lang="ko-KR" altLang="en-US" smtClean="0"/>
               <a:t>2018-08-07</a:t>
             </a:fld>
-            <a:endParaRPr lang="ko-KR" altLang="en-US"/>
+            <a:endParaRPr lang="ko-KR" altLang="en-US" dirty="0"/>
           </a:p>
         </p:txBody>
       </p:sp>
@@ -7195,7 +7197,7 @@
             </a:lvl1pPr>
           </a:lstStyle>
           <a:p>
-            <a:endParaRPr lang="ko-KR" altLang="en-US"/>
+            <a:endParaRPr lang="ko-KR" altLang="en-US" dirty="0"/>
           </a:p>
         </p:txBody>
       </p:sp>
@@ -7234,7 +7236,7 @@
               <a:rPr lang="ko-KR" altLang="en-US" smtClean="0"/>
               <a:t>‹#›</a:t>
             </a:fld>
-            <a:endParaRPr lang="ko-KR" altLang="en-US"/>
+            <a:endParaRPr lang="ko-KR" altLang="en-US" dirty="0"/>
           </a:p>
         </p:txBody>
       </p:sp>
@@ -7787,7 +7789,15 @@
                   <a:srgbClr val="00B0F0"/>
                 </a:solidFill>
               </a:rPr>
-              <a:t>일정관리 선생님</a:t>
+              <a:t>일정관리 쌤</a:t>
+            </a:r>
+            <a:r>
+              <a:rPr lang="en-US" altLang="ko-KR" b="1" dirty="0" smtClean="0">
+                <a:solidFill>
+                  <a:srgbClr val="00B0F0"/>
+                </a:solidFill>
+              </a:rPr>
+              <a:t>(50%)</a:t>
             </a:r>
             <a:endParaRPr lang="ko-KR" altLang="en-US" b="1" dirty="0">
               <a:solidFill>
@@ -7818,115 +7828,6 @@
 </file>
 
 <file path=ppt/slides/slide2.xml><?xml version="1.0" encoding="utf-8"?>
-<p:sld xmlns:a="http://schemas.openxmlformats.org/drawingml/2006/main" xmlns:r="http://schemas.openxmlformats.org/officeDocument/2006/relationships" xmlns:p="http://schemas.openxmlformats.org/presentationml/2006/main">
-  <p:cSld>
-    <p:spTree>
-      <p:nvGrpSpPr>
-        <p:cNvPr id="1" name=""/>
-        <p:cNvGrpSpPr/>
-        <p:nvPr/>
-      </p:nvGrpSpPr>
-      <p:grpSpPr>
-        <a:xfrm>
-          <a:off x="0" y="0"/>
-          <a:ext cx="0" cy="0"/>
-          <a:chOff x="0" y="0"/>
-          <a:chExt cx="0" cy="0"/>
-        </a:xfrm>
-      </p:grpSpPr>
-      <p:sp>
-        <p:nvSpPr>
-          <p:cNvPr id="2" name="제목 1"/>
-          <p:cNvSpPr>
-            <a:spLocks noGrp="1"/>
-          </p:cNvSpPr>
-          <p:nvPr>
-            <p:ph type="title"/>
-          </p:nvPr>
-        </p:nvSpPr>
-        <p:spPr/>
-        <p:txBody>
-          <a:bodyPr/>
-          <a:lstStyle/>
-          <a:p>
-            <a:r>
-              <a:rPr lang="ko-KR" altLang="en-US" dirty="0" smtClean="0"/>
-              <a:t>목차</a:t>
-            </a:r>
-            <a:endParaRPr lang="ko-KR" altLang="en-US" dirty="0"/>
-          </a:p>
-        </p:txBody>
-      </p:sp>
-      <p:sp>
-        <p:nvSpPr>
-          <p:cNvPr id="3" name="내용 개체 틀 2"/>
-          <p:cNvSpPr>
-            <a:spLocks noGrp="1"/>
-          </p:cNvSpPr>
-          <p:nvPr>
-            <p:ph idx="1"/>
-          </p:nvPr>
-        </p:nvSpPr>
-        <p:spPr/>
-        <p:txBody>
-          <a:bodyPr/>
-          <a:lstStyle/>
-          <a:p>
-            <a:r>
-              <a:rPr lang="en-US" altLang="ko-KR" dirty="0" smtClean="0"/>
-              <a:t>1. </a:t>
-            </a:r>
-            <a:r>
-              <a:rPr lang="ko-KR" altLang="en-US" dirty="0" smtClean="0"/>
-              <a:t>개요</a:t>
-            </a:r>
-            <a:endParaRPr lang="en-US" altLang="ko-KR" dirty="0" smtClean="0"/>
-          </a:p>
-          <a:p>
-            <a:r>
-              <a:rPr lang="en-US" altLang="ko-KR" dirty="0" smtClean="0"/>
-              <a:t>2. </a:t>
-            </a:r>
-            <a:r>
-              <a:rPr lang="ko-KR" altLang="en-US" dirty="0" smtClean="0"/>
-              <a:t>프로그램 기능 설명</a:t>
-            </a:r>
-            <a:endParaRPr lang="en-US" altLang="ko-KR" dirty="0" smtClean="0"/>
-          </a:p>
-          <a:p>
-            <a:r>
-              <a:rPr lang="en-US" altLang="ko-KR" dirty="0" smtClean="0"/>
-              <a:t>3. </a:t>
-            </a:r>
-            <a:r>
-              <a:rPr lang="ko-KR" altLang="en-US" dirty="0" smtClean="0"/>
-              <a:t>구현 방법 설명</a:t>
-            </a:r>
-            <a:endParaRPr lang="en-US" altLang="ko-KR" dirty="0" smtClean="0"/>
-          </a:p>
-        </p:txBody>
-      </p:sp>
-    </p:spTree>
-    <p:extLst>
-      <p:ext uri="{BB962C8B-B14F-4D97-AF65-F5344CB8AC3E}">
-        <p14:creationId xmlns:p14="http://schemas.microsoft.com/office/powerpoint/2010/main" val="269261192"/>
-      </p:ext>
-    </p:extLst>
-  </p:cSld>
-  <p:clrMapOvr>
-    <a:masterClrMapping/>
-  </p:clrMapOvr>
-  <p:timing>
-    <p:tnLst>
-      <p:par>
-        <p:cTn id="1" dur="indefinite" restart="never" nodeType="tmRoot"/>
-      </p:par>
-    </p:tnLst>
-  </p:timing>
-</p:sld>
-</file>
-
-<file path=ppt/slides/slide3.xml><?xml version="1.0" encoding="utf-8"?>
 <p:sld xmlns:a="http://schemas.openxmlformats.org/drawingml/2006/main" xmlns:r="http://schemas.openxmlformats.org/officeDocument/2006/relationships" xmlns:p="http://schemas.openxmlformats.org/presentationml/2006/main">
   <p:cSld>
     <p:bg>
@@ -8023,8 +7924,8 @@
         </p:nvSpPr>
         <p:spPr>
           <a:xfrm>
-            <a:off x="2974205" y="1264555"/>
-            <a:ext cx="7139373" cy="1323439"/>
+            <a:off x="2974206" y="1264555"/>
+            <a:ext cx="5332396" cy="1477328"/>
           </a:xfrm>
           <a:prstGeom prst="rect">
             <a:avLst/>
@@ -8038,174 +7939,62 @@
           <a:lstStyle/>
           <a:p>
             <a:r>
-              <a:rPr lang="ko-KR" altLang="en-US" sz="2000" b="1" dirty="0" smtClean="0">
-                <a:effectLst>
-                  <a:outerShdw blurRad="38100" dist="38100" dir="2700000" algn="tl">
-                    <a:srgbClr val="000000">
-                      <a:alpha val="43137"/>
-                    </a:srgbClr>
-                  </a:outerShdw>
-                </a:effectLst>
-              </a:rPr>
+              <a:rPr lang="ko-KR" altLang="en-US" dirty="0" smtClean="0"/>
               <a:t>장을 보는 것은 남은 예산</a:t>
             </a:r>
             <a:r>
-              <a:rPr lang="en-US" altLang="ko-KR" sz="2000" b="1" dirty="0">
-                <a:effectLst>
-                  <a:outerShdw blurRad="38100" dist="38100" dir="2700000" algn="tl">
-                    <a:srgbClr val="000000">
-                      <a:alpha val="43137"/>
-                    </a:srgbClr>
-                  </a:outerShdw>
-                </a:effectLst>
-              </a:rPr>
+              <a:rPr lang="en-US" altLang="ko-KR" dirty="0"/>
               <a:t> </a:t>
             </a:r>
             <a:r>
-              <a:rPr lang="ko-KR" altLang="en-US" sz="2000" b="1" dirty="0" smtClean="0">
-                <a:effectLst>
-                  <a:outerShdw blurRad="38100" dist="38100" dir="2700000" algn="tl">
-                    <a:srgbClr val="000000">
-                      <a:alpha val="43137"/>
-                    </a:srgbClr>
-                  </a:outerShdw>
-                </a:effectLst>
-              </a:rPr>
+              <a:rPr lang="ko-KR" altLang="en-US" dirty="0" smtClean="0"/>
               <a:t>정리</a:t>
             </a:r>
             <a:r>
-              <a:rPr lang="en-US" altLang="ko-KR" sz="2000" b="1" dirty="0" smtClean="0">
-                <a:effectLst>
-                  <a:outerShdw blurRad="38100" dist="38100" dir="2700000" algn="tl">
-                    <a:srgbClr val="000000">
-                      <a:alpha val="43137"/>
-                    </a:srgbClr>
-                  </a:outerShdw>
-                </a:effectLst>
-              </a:rPr>
+              <a:rPr lang="en-US" altLang="ko-KR" dirty="0" smtClean="0"/>
               <a:t>, </a:t>
             </a:r>
             <a:r>
-              <a:rPr lang="ko-KR" altLang="en-US" sz="2000" b="1" dirty="0" smtClean="0">
-                <a:effectLst>
-                  <a:outerShdw blurRad="38100" dist="38100" dir="2700000" algn="tl">
-                    <a:srgbClr val="000000">
-                      <a:alpha val="43137"/>
-                    </a:srgbClr>
-                  </a:outerShdw>
-                </a:effectLst>
-              </a:rPr>
+              <a:rPr lang="ko-KR" altLang="en-US" dirty="0" smtClean="0"/>
               <a:t>구매 품목 정리</a:t>
             </a:r>
             <a:r>
-              <a:rPr lang="en-US" altLang="ko-KR" sz="2000" b="1" dirty="0" smtClean="0">
-                <a:effectLst>
-                  <a:outerShdw blurRad="38100" dist="38100" dir="2700000" algn="tl">
-                    <a:srgbClr val="000000">
-                      <a:alpha val="43137"/>
-                    </a:srgbClr>
-                  </a:outerShdw>
-                </a:effectLst>
-              </a:rPr>
+              <a:rPr lang="en-US" altLang="ko-KR" dirty="0" smtClean="0"/>
               <a:t>, </a:t>
             </a:r>
           </a:p>
           <a:p>
             <a:r>
-              <a:rPr lang="ko-KR" altLang="en-US" sz="2000" b="1" dirty="0" smtClean="0">
-                <a:effectLst>
-                  <a:outerShdw blurRad="38100" dist="38100" dir="2700000" algn="tl">
-                    <a:srgbClr val="000000">
-                      <a:alpha val="43137"/>
-                    </a:srgbClr>
-                  </a:outerShdw>
-                </a:effectLst>
-              </a:rPr>
+              <a:rPr lang="ko-KR" altLang="en-US" dirty="0" smtClean="0"/>
               <a:t>가계부 작성 등을 하는 것 등 할 것이 아주 많습니다</a:t>
             </a:r>
             <a:r>
-              <a:rPr lang="en-US" altLang="ko-KR" sz="2000" b="1" dirty="0" smtClean="0">
-                <a:effectLst>
-                  <a:outerShdw blurRad="38100" dist="38100" dir="2700000" algn="tl">
-                    <a:srgbClr val="000000">
-                      <a:alpha val="43137"/>
-                    </a:srgbClr>
-                  </a:outerShdw>
-                </a:effectLst>
-              </a:rPr>
+              <a:rPr lang="en-US" altLang="ko-KR" dirty="0" smtClean="0"/>
               <a:t>.</a:t>
             </a:r>
           </a:p>
           <a:p>
             <a:r>
-              <a:rPr lang="ko-KR" altLang="en-US" sz="2000" b="1" dirty="0" smtClean="0">
-                <a:effectLst>
-                  <a:outerShdw blurRad="38100" dist="38100" dir="2700000" algn="tl">
-                    <a:srgbClr val="000000">
-                      <a:alpha val="43137"/>
-                    </a:srgbClr>
-                  </a:outerShdw>
-                </a:effectLst>
-              </a:rPr>
+              <a:rPr lang="ko-KR" altLang="en-US" dirty="0" smtClean="0"/>
               <a:t>그래서</a:t>
             </a:r>
             <a:r>
-              <a:rPr lang="en-US" altLang="ko-KR" sz="2000" b="1" dirty="0" smtClean="0">
-                <a:effectLst>
-                  <a:outerShdw blurRad="38100" dist="38100" dir="2700000" algn="tl">
-                    <a:srgbClr val="000000">
-                      <a:alpha val="43137"/>
-                    </a:srgbClr>
-                  </a:outerShdw>
-                </a:effectLst>
-              </a:rPr>
+              <a:rPr lang="en-US" altLang="ko-KR" dirty="0" smtClean="0"/>
               <a:t>, </a:t>
             </a:r>
             <a:r>
-              <a:rPr lang="ko-KR" altLang="en-US" sz="2000" b="1" dirty="0" smtClean="0">
-                <a:effectLst>
-                  <a:outerShdw blurRad="38100" dist="38100" dir="2700000" algn="tl">
-                    <a:srgbClr val="000000">
-                      <a:alpha val="43137"/>
-                    </a:srgbClr>
-                  </a:outerShdw>
-                </a:effectLst>
-              </a:rPr>
+              <a:rPr lang="ko-KR" altLang="en-US" dirty="0" smtClean="0"/>
               <a:t>저희 팀은 이러한 불편함을 해소하기 위해</a:t>
             </a:r>
-            <a:endParaRPr lang="en-US" altLang="ko-KR" sz="2000" b="1" dirty="0" smtClean="0">
-              <a:effectLst>
-                <a:outerShdw blurRad="38100" dist="38100" dir="2700000" algn="tl">
-                  <a:srgbClr val="000000">
-                    <a:alpha val="43137"/>
-                  </a:srgbClr>
-                </a:outerShdw>
-              </a:effectLst>
-            </a:endParaRPr>
-          </a:p>
-          <a:p>
-            <a:r>
-              <a:rPr lang="ko-KR" altLang="en-US" sz="2000" b="1" dirty="0" smtClean="0">
-                <a:effectLst>
-                  <a:outerShdw blurRad="38100" dist="38100" dir="2700000" algn="tl">
-                    <a:srgbClr val="000000">
-                      <a:alpha val="43137"/>
-                    </a:srgbClr>
-                  </a:outerShdw>
-                </a:effectLst>
-              </a:rPr>
+            <a:endParaRPr lang="en-US" altLang="ko-KR" dirty="0" smtClean="0"/>
+          </a:p>
+          <a:p>
+            <a:r>
+              <a:rPr lang="ko-KR" altLang="en-US" dirty="0" smtClean="0"/>
               <a:t>장보기를 도와주는 프로그램을 만들기로 하였습니다</a:t>
             </a:r>
             <a:r>
-              <a:rPr lang="en-US" altLang="ko-KR" sz="2000" b="1" dirty="0" smtClean="0">
-                <a:effectLst>
-                  <a:outerShdw blurRad="38100" dist="38100" dir="2700000" algn="tl">
-                    <a:srgbClr val="000000">
-                      <a:alpha val="43137"/>
-                    </a:srgbClr>
-                  </a:outerShdw>
-                </a:effectLst>
-              </a:rPr>
+              <a:rPr lang="en-US" altLang="ko-KR" dirty="0" smtClean="0"/>
               <a:t>.</a:t>
             </a:r>
           </a:p>
@@ -8215,6 +8004,133 @@
     <p:extLst>
       <p:ext uri="{BB962C8B-B14F-4D97-AF65-F5344CB8AC3E}">
         <p14:creationId xmlns:p14="http://schemas.microsoft.com/office/powerpoint/2010/main" val="2185124140"/>
+      </p:ext>
+    </p:extLst>
+  </p:cSld>
+  <p:clrMapOvr>
+    <a:masterClrMapping/>
+  </p:clrMapOvr>
+  <p:timing>
+    <p:tnLst>
+      <p:par>
+        <p:cTn id="1" dur="indefinite" restart="never" nodeType="tmRoot"/>
+      </p:par>
+    </p:tnLst>
+  </p:timing>
+</p:sld>
+</file>
+
+<file path=ppt/slides/slide3.xml><?xml version="1.0" encoding="utf-8"?>
+<p:sld xmlns:a="http://schemas.openxmlformats.org/drawingml/2006/main" xmlns:r="http://schemas.openxmlformats.org/officeDocument/2006/relationships" xmlns:p="http://schemas.openxmlformats.org/presentationml/2006/main">
+  <p:cSld>
+    <p:spTree>
+      <p:nvGrpSpPr>
+        <p:cNvPr id="1" name=""/>
+        <p:cNvGrpSpPr/>
+        <p:nvPr/>
+      </p:nvGrpSpPr>
+      <p:grpSpPr>
+        <a:xfrm>
+          <a:off x="0" y="0"/>
+          <a:ext cx="0" cy="0"/>
+          <a:chOff x="0" y="0"/>
+          <a:chExt cx="0" cy="0"/>
+        </a:xfrm>
+      </p:grpSpPr>
+      <p:sp>
+        <p:nvSpPr>
+          <p:cNvPr id="2" name="제목 1"/>
+          <p:cNvSpPr>
+            <a:spLocks noGrp="1"/>
+          </p:cNvSpPr>
+          <p:nvPr>
+            <p:ph type="title"/>
+          </p:nvPr>
+        </p:nvSpPr>
+        <p:spPr/>
+        <p:txBody>
+          <a:bodyPr/>
+          <a:lstStyle/>
+          <a:p>
+            <a:r>
+              <a:rPr lang="ko-KR" altLang="en-US" dirty="0" smtClean="0"/>
+              <a:t>프로그램 기능 설명</a:t>
+            </a:r>
+            <a:endParaRPr lang="ko-KR" altLang="en-US" dirty="0"/>
+          </a:p>
+        </p:txBody>
+      </p:sp>
+      <p:sp>
+        <p:nvSpPr>
+          <p:cNvPr id="3" name="내용 개체 틀 2"/>
+          <p:cNvSpPr>
+            <a:spLocks noGrp="1"/>
+          </p:cNvSpPr>
+          <p:nvPr>
+            <p:ph idx="1"/>
+          </p:nvPr>
+        </p:nvSpPr>
+        <p:spPr/>
+        <p:txBody>
+          <a:bodyPr/>
+          <a:lstStyle/>
+          <a:p>
+            <a:r>
+              <a:rPr lang="ko-KR" altLang="en-US" dirty="0" smtClean="0"/>
+              <a:t>메인 화면에서 가계부 </a:t>
+            </a:r>
+            <a:r>
+              <a:rPr lang="en-US" altLang="ko-KR" dirty="0" smtClean="0"/>
+              <a:t>/ </a:t>
+            </a:r>
+            <a:r>
+              <a:rPr lang="ko-KR" altLang="en-US" dirty="0" smtClean="0"/>
+              <a:t>구매 리스트 중 하나의 항목을 선택할 수 있습니다</a:t>
+            </a:r>
+            <a:r>
+              <a:rPr lang="en-US" altLang="ko-KR" dirty="0" smtClean="0"/>
+              <a:t>.</a:t>
+            </a:r>
+          </a:p>
+          <a:p>
+            <a:r>
+              <a:rPr lang="ko-KR" altLang="en-US" dirty="0" smtClean="0"/>
+              <a:t>스페이스 바를 눌러 자세히 보기가 가능합니다</a:t>
+            </a:r>
+            <a:r>
+              <a:rPr lang="en-US" altLang="ko-KR" dirty="0" smtClean="0"/>
+              <a:t>.</a:t>
+            </a:r>
+          </a:p>
+          <a:p>
+            <a:r>
+              <a:rPr lang="ko-KR" altLang="en-US" dirty="0" smtClean="0"/>
+              <a:t>구매 리스트에서는 자신이 구매한 품목들을 확인 가능합니다</a:t>
+            </a:r>
+            <a:r>
+              <a:rPr lang="en-US" altLang="ko-KR" dirty="0" smtClean="0"/>
+              <a:t>.</a:t>
+            </a:r>
+          </a:p>
+          <a:p>
+            <a:r>
+              <a:rPr lang="ko-KR" altLang="en-US" dirty="0" smtClean="0"/>
+              <a:t>가계부를 통하여 자신이 돈을 소비한 내역을 확인할 수 있습니다</a:t>
+            </a:r>
+            <a:r>
+              <a:rPr lang="en-US" altLang="ko-KR" dirty="0" smtClean="0"/>
+              <a:t>.</a:t>
+            </a:r>
+          </a:p>
+          <a:p>
+            <a:endParaRPr lang="ko-KR" altLang="en-US" dirty="0"/>
+          </a:p>
+        </p:txBody>
+      </p:sp>
+    </p:spTree>
+    <p:extLst>
+      <p:ext uri="{BB962C8B-B14F-4D97-AF65-F5344CB8AC3E}">
+        <p14:creationId xmlns:p14="http://schemas.microsoft.com/office/powerpoint/2010/main" val="647433474"/>
       </p:ext>
     </p:extLst>
   </p:cSld>
@@ -8263,7 +8179,11 @@
           <a:bodyPr/>
           <a:lstStyle/>
           <a:p>
-            <a:endParaRPr lang="ko-KR" altLang="en-US"/>
+            <a:r>
+              <a:rPr lang="ko-KR" altLang="en-US" dirty="0" smtClean="0"/>
+              <a:t>구현 방법 설명</a:t>
+            </a:r>
+            <a:endParaRPr lang="ko-KR" altLang="en-US" dirty="0"/>
           </a:p>
         </p:txBody>
       </p:sp>
@@ -8282,14 +8202,330 @@
           <a:bodyPr/>
           <a:lstStyle/>
           <a:p>
-            <a:endParaRPr lang="ko-KR" altLang="en-US"/>
+            <a:r>
+              <a:rPr lang="ko-KR" altLang="en-US" dirty="0" smtClean="0"/>
+              <a:t>품목을 나타내는 구조체 </a:t>
+            </a:r>
+            <a:r>
+              <a:rPr lang="en-US" altLang="ko-KR" dirty="0" smtClean="0"/>
+              <a:t>ITEM(</a:t>
+            </a:r>
+            <a:r>
+              <a:rPr lang="ko-KR" altLang="en-US" dirty="0" smtClean="0"/>
+              <a:t>내용</a:t>
+            </a:r>
+            <a:r>
+              <a:rPr lang="en-US" altLang="ko-KR" dirty="0" smtClean="0"/>
+              <a:t>, </a:t>
+            </a:r>
+            <a:r>
+              <a:rPr lang="ko-KR" altLang="en-US" dirty="0" smtClean="0"/>
+              <a:t>수량</a:t>
+            </a:r>
+            <a:r>
+              <a:rPr lang="en-US" altLang="ko-KR" dirty="0" smtClean="0"/>
+              <a:t>, </a:t>
+            </a:r>
+            <a:r>
+              <a:rPr lang="ko-KR" altLang="en-US" dirty="0" smtClean="0"/>
+              <a:t>가격</a:t>
+            </a:r>
+            <a:r>
+              <a:rPr lang="en-US" altLang="ko-KR" dirty="0" smtClean="0"/>
+              <a:t>)</a:t>
+            </a:r>
+            <a:r>
+              <a:rPr lang="ko-KR" altLang="en-US" dirty="0" smtClean="0"/>
+              <a:t>을 정의하고 동적 할당을 합니다</a:t>
+            </a:r>
+            <a:r>
+              <a:rPr lang="en-US" altLang="ko-KR" dirty="0" smtClean="0"/>
+              <a:t>.</a:t>
+            </a:r>
+          </a:p>
+          <a:p>
+            <a:r>
+              <a:rPr lang="ko-KR" altLang="en-US" dirty="0" smtClean="0"/>
+              <a:t>파일처리함수로 예산</a:t>
+            </a:r>
+            <a:r>
+              <a:rPr lang="en-US" altLang="ko-KR" dirty="0" smtClean="0"/>
+              <a:t>, </a:t>
+            </a:r>
+            <a:r>
+              <a:rPr lang="ko-KR" altLang="en-US" dirty="0" smtClean="0"/>
+              <a:t>구매를 희망하는 품목의 이름</a:t>
+            </a:r>
+            <a:r>
+              <a:rPr lang="en-US" altLang="ko-KR" dirty="0" smtClean="0"/>
+              <a:t>, </a:t>
+            </a:r>
+            <a:r>
+              <a:rPr lang="ko-KR" altLang="en-US" dirty="0" smtClean="0"/>
+              <a:t>가격</a:t>
+            </a:r>
+            <a:r>
+              <a:rPr lang="en-US" altLang="ko-KR" dirty="0" smtClean="0"/>
+              <a:t>, </a:t>
+            </a:r>
+            <a:r>
+              <a:rPr lang="ko-KR" altLang="en-US" dirty="0" smtClean="0"/>
+              <a:t>수량을 저장하고 가져옵니다</a:t>
+            </a:r>
+            <a:r>
+              <a:rPr lang="en-US" altLang="ko-KR" dirty="0" smtClean="0"/>
+              <a:t>.</a:t>
+            </a:r>
+          </a:p>
+          <a:p>
+            <a:r>
+              <a:rPr lang="ko-KR" altLang="en-US" dirty="0" smtClean="0"/>
+              <a:t>물품을 사면 예산을 그만큼 빼고 돈이 들어오면 예산을 추가해서 계산을 합니다</a:t>
+            </a:r>
+            <a:r>
+              <a:rPr lang="en-US" altLang="ko-KR" dirty="0" smtClean="0"/>
+              <a:t>.</a:t>
+            </a:r>
+          </a:p>
+          <a:p>
+            <a:r>
+              <a:rPr lang="ko-KR" altLang="en-US" dirty="0" smtClean="0"/>
+              <a:t>출력은 입력 받을 때 나오는 살 품목의 개수만큼 출력한다</a:t>
+            </a:r>
+            <a:r>
+              <a:rPr lang="en-US" altLang="ko-KR" dirty="0" smtClean="0"/>
+              <a:t>.</a:t>
+            </a:r>
+          </a:p>
+          <a:p>
+            <a:endParaRPr lang="en-US" altLang="ko-KR" dirty="0" smtClean="0"/>
           </a:p>
         </p:txBody>
       </p:sp>
     </p:spTree>
     <p:extLst>
       <p:ext uri="{BB962C8B-B14F-4D97-AF65-F5344CB8AC3E}">
-        <p14:creationId xmlns:p14="http://schemas.microsoft.com/office/powerpoint/2010/main" val="647433474"/>
+        <p14:creationId xmlns:p14="http://schemas.microsoft.com/office/powerpoint/2010/main" val="4100073454"/>
+      </p:ext>
+    </p:extLst>
+  </p:cSld>
+  <p:clrMapOvr>
+    <a:masterClrMapping/>
+  </p:clrMapOvr>
+  <p:timing>
+    <p:tnLst>
+      <p:par>
+        <p:cTn id="1" dur="indefinite" restart="never" nodeType="tmRoot"/>
+      </p:par>
+    </p:tnLst>
+  </p:timing>
+</p:sld>
+</file>
+
+<file path=ppt/slides/slide5.xml><?xml version="1.0" encoding="utf-8"?>
+<p:sld xmlns:a="http://schemas.openxmlformats.org/drawingml/2006/main" xmlns:r="http://schemas.openxmlformats.org/officeDocument/2006/relationships" xmlns:p="http://schemas.openxmlformats.org/presentationml/2006/main">
+  <p:cSld>
+    <p:spTree>
+      <p:nvGrpSpPr>
+        <p:cNvPr id="1" name=""/>
+        <p:cNvGrpSpPr/>
+        <p:nvPr/>
+      </p:nvGrpSpPr>
+      <p:grpSpPr>
+        <a:xfrm>
+          <a:off x="0" y="0"/>
+          <a:ext cx="0" cy="0"/>
+          <a:chOff x="0" y="0"/>
+          <a:chExt cx="0" cy="0"/>
+        </a:xfrm>
+      </p:grpSpPr>
+      <p:sp>
+        <p:nvSpPr>
+          <p:cNvPr id="2" name="제목 1"/>
+          <p:cNvSpPr>
+            <a:spLocks noGrp="1"/>
+          </p:cNvSpPr>
+          <p:nvPr>
+            <p:ph type="title"/>
+          </p:nvPr>
+        </p:nvSpPr>
+        <p:spPr/>
+        <p:txBody>
+          <a:bodyPr/>
+          <a:lstStyle/>
+          <a:p>
+            <a:r>
+              <a:rPr lang="ko-KR" altLang="en-US" dirty="0" smtClean="0"/>
+              <a:t>사용법 설명</a:t>
+            </a:r>
+            <a:endParaRPr lang="ko-KR" altLang="en-US" dirty="0"/>
+          </a:p>
+        </p:txBody>
+      </p:sp>
+      <p:sp>
+        <p:nvSpPr>
+          <p:cNvPr id="3" name="내용 개체 틀 2"/>
+          <p:cNvSpPr>
+            <a:spLocks noGrp="1"/>
+          </p:cNvSpPr>
+          <p:nvPr>
+            <p:ph idx="1"/>
+          </p:nvPr>
+        </p:nvSpPr>
+        <p:spPr/>
+        <p:txBody>
+          <a:bodyPr/>
+          <a:lstStyle/>
+          <a:p>
+            <a:r>
+              <a:rPr lang="ko-KR" altLang="en-US" dirty="0" smtClean="0"/>
+              <a:t>처음 들어가서 구매 리스트로 커서 이동 후 스페이스 키를 누르면 구매리스트가 나옵니다</a:t>
+            </a:r>
+            <a:r>
+              <a:rPr lang="en-US" altLang="ko-KR" dirty="0" smtClean="0"/>
+              <a:t>. I</a:t>
+            </a:r>
+            <a:r>
+              <a:rPr lang="ko-KR" altLang="en-US" dirty="0" smtClean="0"/>
+              <a:t>키를 누르면 상품 추가가 진행되고 </a:t>
+            </a:r>
+            <a:r>
+              <a:rPr lang="en-US" altLang="ko-KR" dirty="0" smtClean="0"/>
+              <a:t>d</a:t>
+            </a:r>
+            <a:r>
+              <a:rPr lang="ko-KR" altLang="en-US" dirty="0" smtClean="0"/>
+              <a:t>키를 누르면 상품 삭제가 됩니다</a:t>
+            </a:r>
+            <a:r>
+              <a:rPr lang="en-US" altLang="ko-KR" dirty="0" smtClean="0"/>
+              <a:t>.</a:t>
+            </a:r>
+            <a:r>
+              <a:rPr lang="ko-KR" altLang="en-US" dirty="0" smtClean="0"/>
+              <a:t> 상품 선택은 화살표 키를 누르면 됩니다</a:t>
+            </a:r>
+            <a:r>
+              <a:rPr lang="en-US" altLang="ko-KR" dirty="0" smtClean="0"/>
+              <a:t>.</a:t>
+            </a:r>
+            <a:r>
+              <a:rPr lang="ko-KR" altLang="en-US" dirty="0" smtClean="0"/>
+              <a:t> </a:t>
+            </a:r>
+            <a:endParaRPr lang="en-US" altLang="ko-KR" dirty="0" smtClean="0"/>
+          </a:p>
+        </p:txBody>
+      </p:sp>
+    </p:spTree>
+    <p:extLst>
+      <p:ext uri="{BB962C8B-B14F-4D97-AF65-F5344CB8AC3E}">
+        <p14:creationId xmlns:p14="http://schemas.microsoft.com/office/powerpoint/2010/main" val="3079937007"/>
+      </p:ext>
+    </p:extLst>
+  </p:cSld>
+  <p:clrMapOvr>
+    <a:masterClrMapping/>
+  </p:clrMapOvr>
+  <p:timing>
+    <p:tnLst>
+      <p:par>
+        <p:cTn id="1" dur="indefinite" restart="never" nodeType="tmRoot"/>
+      </p:par>
+    </p:tnLst>
+  </p:timing>
+</p:sld>
+</file>
+
+<file path=ppt/slides/slide6.xml><?xml version="1.0" encoding="utf-8"?>
+<p:sld xmlns:a="http://schemas.openxmlformats.org/drawingml/2006/main" xmlns:r="http://schemas.openxmlformats.org/officeDocument/2006/relationships" xmlns:p="http://schemas.openxmlformats.org/presentationml/2006/main">
+  <p:cSld>
+    <p:spTree>
+      <p:nvGrpSpPr>
+        <p:cNvPr id="1" name=""/>
+        <p:cNvGrpSpPr/>
+        <p:nvPr/>
+      </p:nvGrpSpPr>
+      <p:grpSpPr>
+        <a:xfrm>
+          <a:off x="0" y="0"/>
+          <a:ext cx="0" cy="0"/>
+          <a:chOff x="0" y="0"/>
+          <a:chExt cx="0" cy="0"/>
+        </a:xfrm>
+      </p:grpSpPr>
+      <p:sp>
+        <p:nvSpPr>
+          <p:cNvPr id="2" name="제목 1"/>
+          <p:cNvSpPr>
+            <a:spLocks noGrp="1"/>
+          </p:cNvSpPr>
+          <p:nvPr>
+            <p:ph type="title"/>
+          </p:nvPr>
+        </p:nvSpPr>
+        <p:spPr/>
+        <p:txBody>
+          <a:bodyPr/>
+          <a:lstStyle/>
+          <a:p>
+            <a:r>
+              <a:rPr lang="ko-KR" altLang="en-US" dirty="0" smtClean="0"/>
+              <a:t>코딩 중 느꼈던 점</a:t>
+            </a:r>
+            <a:endParaRPr lang="ko-KR" altLang="en-US" dirty="0"/>
+          </a:p>
+        </p:txBody>
+      </p:sp>
+      <p:sp>
+        <p:nvSpPr>
+          <p:cNvPr id="3" name="내용 개체 틀 2"/>
+          <p:cNvSpPr>
+            <a:spLocks noGrp="1"/>
+          </p:cNvSpPr>
+          <p:nvPr>
+            <p:ph idx="1"/>
+          </p:nvPr>
+        </p:nvSpPr>
+        <p:spPr/>
+        <p:txBody>
+          <a:bodyPr/>
+          <a:lstStyle/>
+          <a:p>
+            <a:r>
+              <a:rPr lang="ko-KR" altLang="en-US" dirty="0" smtClean="0"/>
+              <a:t>파일 입</a:t>
+            </a:r>
+            <a:r>
+              <a:rPr lang="en-US" altLang="ko-KR" dirty="0" smtClean="0"/>
+              <a:t>/</a:t>
+            </a:r>
+            <a:r>
+              <a:rPr lang="ko-KR" altLang="en-US" dirty="0" smtClean="0"/>
+              <a:t>출력 함수를 구현할 때 계속 오류가 발생해서 어려움을 겪기도 했습니다</a:t>
+            </a:r>
+            <a:r>
+              <a:rPr lang="en-US" altLang="ko-KR" dirty="0" smtClean="0"/>
+              <a:t>.</a:t>
+            </a:r>
+          </a:p>
+          <a:p>
+            <a:r>
+              <a:rPr lang="ko-KR" altLang="en-US" dirty="0" smtClean="0"/>
+              <a:t>팀원간의 협동과 도움으로 이러한 프로그램을 만들 수 있었던 것 같습니다</a:t>
+            </a:r>
+            <a:r>
+              <a:rPr lang="en-US" altLang="ko-KR" dirty="0" smtClean="0"/>
+              <a:t>.</a:t>
+            </a:r>
+            <a:endParaRPr lang="ko-KR" altLang="en-US" dirty="0"/>
+          </a:p>
+        </p:txBody>
+      </p:sp>
+    </p:spTree>
+    <p:extLst>
+      <p:ext uri="{BB962C8B-B14F-4D97-AF65-F5344CB8AC3E}">
+        <p14:creationId xmlns:p14="http://schemas.microsoft.com/office/powerpoint/2010/main" val="769419471"/>
       </p:ext>
     </p:extLst>
   </p:cSld>
@@ -8349,7 +8585,7 @@
     </a:clrScheme>
     <a:fontScheme name="줄기">
       <a:majorFont>
-        <a:latin typeface="Century Gothic"/>
+        <a:latin typeface="Century Gothic" panose="020B0502020202020204"/>
         <a:ea typeface=""/>
         <a:cs typeface=""/>
         <a:font script="Jpan" typeface="メイリオ"/>
@@ -8384,7 +8620,7 @@
         <a:font script="Geor" typeface="Sylfaen"/>
       </a:majorFont>
       <a:minorFont>
-        <a:latin typeface="Century Gothic"/>
+        <a:latin typeface="Century Gothic" panose="020B0502020202020204"/>
         <a:ea typeface=""/>
         <a:cs typeface=""/>
         <a:font script="Jpan" typeface="メイリオ"/>
